--- a/Python Crash Course Legacy 2023.pptx
+++ b/Python Crash Course Legacy 2023.pptx
@@ -104,6 +104,11 @@
       </a:defRPr>
     </a:lvl9pPr>
   </p:defaultTextStyle>
+  <p:extLst>
+    <p:ext uri="{EFAFB233-063F-42B5-8137-9DF3F51BA10A}">
+      <p15:sldGuideLst xmlns:p15="http://schemas.microsoft.com/office/powerpoint/2012/main"/>
+    </p:ext>
+  </p:extLst>
 </p:presentation>
 </file>
 
@@ -2992,7 +2997,7 @@
         </p:nvSpPr>
         <p:spPr>
           <a:xfrm>
-            <a:off x="317365" y="346759"/>
+            <a:off x="317365" y="107005"/>
             <a:ext cx="8509270" cy="793203"/>
           </a:xfrm>
         </p:spPr>
@@ -3073,7 +3078,7 @@
         </p:nvSpPr>
         <p:spPr>
           <a:xfrm>
-            <a:off x="3084786" y="1297215"/>
+            <a:off x="3084786" y="930934"/>
             <a:ext cx="2974428" cy="391340"/>
           </a:xfrm>
         </p:spPr>
@@ -3110,7 +3115,7 @@
         </p:nvSpPr>
         <p:spPr>
           <a:xfrm>
-            <a:off x="510702" y="1879082"/>
+            <a:off x="150779" y="1322274"/>
             <a:ext cx="8122596" cy="2308324"/>
           </a:xfrm>
           <a:prstGeom prst="rect">
@@ -3297,7 +3302,7 @@
         </p:nvSpPr>
         <p:spPr>
           <a:xfrm>
-            <a:off x="510702" y="4463606"/>
+            <a:off x="150779" y="3825201"/>
             <a:ext cx="8122596" cy="2031325"/>
           </a:xfrm>
           <a:prstGeom prst="rect">
@@ -3463,8 +3468,8 @@
         </p:blipFill>
         <p:spPr>
           <a:xfrm>
-            <a:off x="6308985" y="2826322"/>
-            <a:ext cx="2582095" cy="2104684"/>
+            <a:off x="6098172" y="2240113"/>
+            <a:ext cx="2511870" cy="2047443"/>
           </a:xfrm>
           <a:prstGeom prst="rect">
             <a:avLst/>
@@ -3500,8 +3505,8 @@
         </p:blipFill>
         <p:spPr bwMode="auto">
           <a:xfrm>
-            <a:off x="6923053" y="1147413"/>
-            <a:ext cx="1520556" cy="1520556"/>
+            <a:off x="6844924" y="878384"/>
+            <a:ext cx="1235416" cy="1235416"/>
           </a:xfrm>
           <a:prstGeom prst="rect">
             <a:avLst/>
@@ -3518,6 +3523,81 @@
           </a:extLst>
         </p:spPr>
       </p:pic>
+      <p:sp>
+        <p:nvSpPr>
+          <p:cNvPr id="6" name="TextBox 5">
+            <a:extLst>
+              <a:ext uri="{FF2B5EF4-FFF2-40B4-BE49-F238E27FC236}">
+                <a16:creationId xmlns:a16="http://schemas.microsoft.com/office/drawing/2014/main" id="{096BEBFD-651A-AA6B-0438-0A714108BF22}"/>
+              </a:ext>
+            </a:extLst>
+          </p:cNvPr>
+          <p:cNvSpPr txBox="1"/>
+          <p:nvPr/>
+        </p:nvSpPr>
+        <p:spPr>
+          <a:xfrm>
+            <a:off x="150779" y="5917813"/>
+            <a:ext cx="8842442" cy="784830"/>
+          </a:xfrm>
+          <a:prstGeom prst="rect">
+            <a:avLst/>
+          </a:prstGeom>
+          <a:noFill/>
+        </p:spPr>
+        <p:txBody>
+          <a:bodyPr wrap="square" rtlCol="0">
+            <a:spAutoFit/>
+          </a:bodyPr>
+          <a:lstStyle/>
+          <a:p>
+            <a:r>
+              <a:rPr lang="es-419" sz="2000" dirty="0">
+                <a:solidFill>
+                  <a:srgbClr val="FF99FF"/>
+                </a:solidFill>
+              </a:rPr>
+              <a:t>IMPORTANTE: Repositorio GitHub del Curso:</a:t>
+            </a:r>
+          </a:p>
+          <a:p>
+            <a:endParaRPr lang="es-419" sz="500" dirty="0">
+              <a:solidFill>
+                <a:srgbClr val="FF99FF"/>
+              </a:solidFill>
+            </a:endParaRPr>
+          </a:p>
+          <a:p>
+            <a:pPr algn="r"/>
+            <a:r>
+              <a:rPr lang="es-419" sz="2000" dirty="0">
+                <a:solidFill>
+                  <a:srgbClr val="FFFF00"/>
+                </a:solidFill>
+                <a:highlight>
+                  <a:srgbClr val="0000FF"/>
+                </a:highlight>
+                <a:hlinkClick r:id="rId5">
+                  <a:extLst>
+                    <a:ext uri="{A12FA001-AC4F-418D-AE19-62706E023703}">
+                      <ahyp:hlinkClr xmlns:ahyp="http://schemas.microsoft.com/office/drawing/2018/hyperlinkcolor" val="tx"/>
+                    </a:ext>
+                  </a:extLst>
+                </a:hlinkClick>
+              </a:rPr>
+              <a:t>https://github.com/sebassilvap/CrashCoursePython-2023</a:t>
+            </a:r>
+            <a:endParaRPr lang="es-419" sz="2000" dirty="0">
+              <a:solidFill>
+                <a:srgbClr val="FFFF00"/>
+              </a:solidFill>
+              <a:highlight>
+                <a:srgbClr val="0000FF"/>
+              </a:highlight>
+            </a:endParaRPr>
+          </a:p>
+        </p:txBody>
+      </p:sp>
     </p:spTree>
     <p:extLst>
       <p:ext uri="{BB962C8B-B14F-4D97-AF65-F5344CB8AC3E}">

--- a/Python Crash Course Legacy 2023.pptx
+++ b/Python Crash Course Legacy 2023.pptx
@@ -243,7 +243,7 @@
           <a:p>
             <a:fld id="{F1952DC9-6DA2-4784-8E31-E76B81528EFA}" type="datetimeFigureOut">
               <a:rPr lang="es-419" smtClean="0"/>
-              <a:t>1/12/2023</a:t>
+              <a:t>8/12/2023</a:t>
             </a:fld>
             <a:endParaRPr lang="es-419"/>
           </a:p>
@@ -413,7 +413,7 @@
           <a:p>
             <a:fld id="{F1952DC9-6DA2-4784-8E31-E76B81528EFA}" type="datetimeFigureOut">
               <a:rPr lang="es-419" smtClean="0"/>
-              <a:t>1/12/2023</a:t>
+              <a:t>8/12/2023</a:t>
             </a:fld>
             <a:endParaRPr lang="es-419"/>
           </a:p>
@@ -593,7 +593,7 @@
           <a:p>
             <a:fld id="{F1952DC9-6DA2-4784-8E31-E76B81528EFA}" type="datetimeFigureOut">
               <a:rPr lang="es-419" smtClean="0"/>
-              <a:t>1/12/2023</a:t>
+              <a:t>8/12/2023</a:t>
             </a:fld>
             <a:endParaRPr lang="es-419"/>
           </a:p>
@@ -763,7 +763,7 @@
           <a:p>
             <a:fld id="{F1952DC9-6DA2-4784-8E31-E76B81528EFA}" type="datetimeFigureOut">
               <a:rPr lang="es-419" smtClean="0"/>
-              <a:t>1/12/2023</a:t>
+              <a:t>8/12/2023</a:t>
             </a:fld>
             <a:endParaRPr lang="es-419"/>
           </a:p>
@@ -1007,7 +1007,7 @@
           <a:p>
             <a:fld id="{F1952DC9-6DA2-4784-8E31-E76B81528EFA}" type="datetimeFigureOut">
               <a:rPr lang="es-419" smtClean="0"/>
-              <a:t>1/12/2023</a:t>
+              <a:t>8/12/2023</a:t>
             </a:fld>
             <a:endParaRPr lang="es-419"/>
           </a:p>
@@ -1239,7 +1239,7 @@
           <a:p>
             <a:fld id="{F1952DC9-6DA2-4784-8E31-E76B81528EFA}" type="datetimeFigureOut">
               <a:rPr lang="es-419" smtClean="0"/>
-              <a:t>1/12/2023</a:t>
+              <a:t>8/12/2023</a:t>
             </a:fld>
             <a:endParaRPr lang="es-419"/>
           </a:p>
@@ -1606,7 +1606,7 @@
           <a:p>
             <a:fld id="{F1952DC9-6DA2-4784-8E31-E76B81528EFA}" type="datetimeFigureOut">
               <a:rPr lang="es-419" smtClean="0"/>
-              <a:t>1/12/2023</a:t>
+              <a:t>8/12/2023</a:t>
             </a:fld>
             <a:endParaRPr lang="es-419"/>
           </a:p>
@@ -1724,7 +1724,7 @@
           <a:p>
             <a:fld id="{F1952DC9-6DA2-4784-8E31-E76B81528EFA}" type="datetimeFigureOut">
               <a:rPr lang="es-419" smtClean="0"/>
-              <a:t>1/12/2023</a:t>
+              <a:t>8/12/2023</a:t>
             </a:fld>
             <a:endParaRPr lang="es-419"/>
           </a:p>
@@ -1819,7 +1819,7 @@
           <a:p>
             <a:fld id="{F1952DC9-6DA2-4784-8E31-E76B81528EFA}" type="datetimeFigureOut">
               <a:rPr lang="es-419" smtClean="0"/>
-              <a:t>1/12/2023</a:t>
+              <a:t>8/12/2023</a:t>
             </a:fld>
             <a:endParaRPr lang="es-419"/>
           </a:p>
@@ -2096,7 +2096,7 @@
           <a:p>
             <a:fld id="{F1952DC9-6DA2-4784-8E31-E76B81528EFA}" type="datetimeFigureOut">
               <a:rPr lang="es-419" smtClean="0"/>
-              <a:t>1/12/2023</a:t>
+              <a:t>8/12/2023</a:t>
             </a:fld>
             <a:endParaRPr lang="es-419"/>
           </a:p>
@@ -2353,7 +2353,7 @@
           <a:p>
             <a:fld id="{F1952DC9-6DA2-4784-8E31-E76B81528EFA}" type="datetimeFigureOut">
               <a:rPr lang="es-419" smtClean="0"/>
-              <a:t>1/12/2023</a:t>
+              <a:t>8/12/2023</a:t>
             </a:fld>
             <a:endParaRPr lang="es-419"/>
           </a:p>
@@ -2566,7 +2566,7 @@
           <a:p>
             <a:fld id="{F1952DC9-6DA2-4784-8E31-E76B81528EFA}" type="datetimeFigureOut">
               <a:rPr lang="es-419" smtClean="0"/>
-              <a:t>1/12/2023</a:t>
+              <a:t>8/12/2023</a:t>
             </a:fld>
             <a:endParaRPr lang="es-419"/>
           </a:p>
@@ -3139,7 +3139,7 @@
                   <a:schemeClr val="bg1"/>
                 </a:solidFill>
               </a:rPr>
-              <a:t>Más de 60 temas / conceptos importantes de Python.</a:t>
+              <a:t>+ 60 temas / conceptos importantes de Python / 15 horas</a:t>
             </a:r>
           </a:p>
           <a:p>
@@ -3283,7 +3283,7 @@
                   <a:schemeClr val="bg1"/>
                 </a:solidFill>
               </a:rPr>
-              <a:t>No se cubren temas como: POO, Módulos, Ficheros</a:t>
+              <a:t>No se cubren temas como: POO, Módulos, Ficheros, Tkinter</a:t>
             </a:r>
           </a:p>
         </p:txBody>
@@ -3302,7 +3302,7 @@
         </p:nvSpPr>
         <p:spPr>
           <a:xfrm>
-            <a:off x="150779" y="3825201"/>
+            <a:off x="150779" y="3722735"/>
             <a:ext cx="8122596" cy="2031325"/>
           </a:xfrm>
           <a:prstGeom prst="rect">
@@ -3372,25 +3372,7 @@
                 </a:solidFill>
                 <a:sym typeface="Wingdings" panose="05000000000000000000" pitchFamily="2" charset="2"/>
               </a:rPr>
-              <a:t>: tarea del colegio, algún algoritmo para mejorar tu trabajo, sorprender a tu jefe, </a:t>
-            </a:r>
-            <a:r>
-              <a:rPr lang="es-419" dirty="0" err="1">
-                <a:solidFill>
-                  <a:schemeClr val="bg1"/>
-                </a:solidFill>
-                <a:sym typeface="Wingdings" panose="05000000000000000000" pitchFamily="2" charset="2"/>
-              </a:rPr>
-              <a:t>etc</a:t>
-            </a:r>
-            <a:r>
-              <a:rPr lang="es-419" dirty="0">
-                <a:solidFill>
-                  <a:schemeClr val="bg1"/>
-                </a:solidFill>
-                <a:sym typeface="Wingdings" panose="05000000000000000000" pitchFamily="2" charset="2"/>
-              </a:rPr>
-              <a:t>…</a:t>
+              <a:t>: tarea del colegio, algún algoritmo para mejorar tu trabajo, sorprender a tu jefe, no hay Excel en el computador?, entonces Python!</a:t>
             </a:r>
           </a:p>
           <a:p>
@@ -3468,7 +3450,7 @@
         </p:blipFill>
         <p:spPr>
           <a:xfrm>
-            <a:off x="6098172" y="2240113"/>
+            <a:off x="6314765" y="2085880"/>
             <a:ext cx="2511870" cy="2047443"/>
           </a:xfrm>
           <a:prstGeom prst="rect">
@@ -3505,8 +3487,8 @@
         </p:blipFill>
         <p:spPr bwMode="auto">
           <a:xfrm>
-            <a:off x="6844924" y="878384"/>
-            <a:ext cx="1235416" cy="1235416"/>
+            <a:off x="7160008" y="845131"/>
+            <a:ext cx="1025818" cy="1025818"/>
           </a:xfrm>
           <a:prstGeom prst="rect">
             <a:avLst/>
@@ -3537,8 +3519,8 @@
         </p:nvSpPr>
         <p:spPr>
           <a:xfrm>
-            <a:off x="150779" y="5917813"/>
-            <a:ext cx="8842442" cy="784830"/>
+            <a:off x="150779" y="5839992"/>
+            <a:ext cx="8842442" cy="846386"/>
           </a:xfrm>
           <a:prstGeom prst="rect">
             <a:avLst/>
@@ -3570,12 +3552,12 @@
           <a:p>
             <a:pPr algn="r"/>
             <a:r>
-              <a:rPr lang="es-419" sz="2000" dirty="0">
+              <a:rPr lang="es-419" sz="2400" dirty="0">
                 <a:solidFill>
                   <a:srgbClr val="FFFF00"/>
                 </a:solidFill>
                 <a:highlight>
-                  <a:srgbClr val="0000FF"/>
+                  <a:srgbClr val="000080"/>
                 </a:highlight>
                 <a:hlinkClick r:id="rId5">
                   <a:extLst>
@@ -3587,12 +3569,12 @@
               </a:rPr>
               <a:t>https://github.com/sebassilvap/CrashCoursePython-2023</a:t>
             </a:r>
-            <a:endParaRPr lang="es-419" sz="2000" dirty="0">
+            <a:endParaRPr lang="es-419" sz="2400" dirty="0">
               <a:solidFill>
                 <a:srgbClr val="FFFF00"/>
               </a:solidFill>
               <a:highlight>
-                <a:srgbClr val="0000FF"/>
+                <a:srgbClr val="000080"/>
               </a:highlight>
             </a:endParaRPr>
           </a:p>

--- a/Python Crash Course Legacy 2023.pptx
+++ b/Python Crash Course Legacy 2023.pptx
@@ -2,12 +2,12 @@
 <file path=ppt/presentation.xml><?xml version="1.0" encoding="utf-8"?>
 <p:presentation xmlns:a="http://schemas.openxmlformats.org/drawingml/2006/main" xmlns:r="http://schemas.openxmlformats.org/officeDocument/2006/relationships" xmlns:p="http://schemas.openxmlformats.org/presentationml/2006/main" saveSubsetFonts="1">
   <p:sldMasterIdLst>
-    <p:sldMasterId id="2147483660" r:id="rId1"/>
+    <p:sldMasterId id="2147483672" r:id="rId1"/>
   </p:sldMasterIdLst>
   <p:sldIdLst>
     <p:sldId id="256" r:id="rId2"/>
   </p:sldIdLst>
-  <p:sldSz cx="9144000" cy="6858000" type="screen4x3"/>
+  <p:sldSz cx="12192000" cy="6858000"/>
   <p:notesSz cx="6858000" cy="9144000"/>
   <p:defaultTextStyle>
     <a:defPPr>
@@ -141,8 +141,8 @@
         </p:nvSpPr>
         <p:spPr>
           <a:xfrm>
-            <a:off x="685800" y="1122363"/>
-            <a:ext cx="7772400" cy="2387600"/>
+            <a:off x="1524000" y="1122363"/>
+            <a:ext cx="9144000" cy="2387600"/>
           </a:xfrm>
         </p:spPr>
         <p:txBody>
@@ -173,8 +173,8 @@
         </p:nvSpPr>
         <p:spPr>
           <a:xfrm>
-            <a:off x="1143000" y="3602038"/>
-            <a:ext cx="6858000" cy="1655762"/>
+            <a:off x="1524000" y="3602038"/>
+            <a:ext cx="9144000" cy="1655762"/>
           </a:xfrm>
         </p:spPr>
         <p:txBody>
@@ -294,7 +294,7 @@
     </p:spTree>
     <p:extLst>
       <p:ext uri="{BB962C8B-B14F-4D97-AF65-F5344CB8AC3E}">
-        <p14:creationId xmlns:p14="http://schemas.microsoft.com/office/powerpoint/2010/main" val="610225975"/>
+        <p14:creationId xmlns:p14="http://schemas.microsoft.com/office/powerpoint/2010/main" val="634186944"/>
       </p:ext>
     </p:extLst>
   </p:cSld>
@@ -464,7 +464,7 @@
     </p:spTree>
     <p:extLst>
       <p:ext uri="{BB962C8B-B14F-4D97-AF65-F5344CB8AC3E}">
-        <p14:creationId xmlns:p14="http://schemas.microsoft.com/office/powerpoint/2010/main" val="426040693"/>
+        <p14:creationId xmlns:p14="http://schemas.microsoft.com/office/powerpoint/2010/main" val="270739676"/>
       </p:ext>
     </p:extLst>
   </p:cSld>
@@ -503,8 +503,8 @@
         </p:nvSpPr>
         <p:spPr>
           <a:xfrm>
-            <a:off x="6543675" y="365125"/>
-            <a:ext cx="1971675" cy="5811838"/>
+            <a:off x="8724900" y="365125"/>
+            <a:ext cx="2628900" cy="5811838"/>
           </a:xfrm>
         </p:spPr>
         <p:txBody>
@@ -531,8 +531,8 @@
         </p:nvSpPr>
         <p:spPr>
           <a:xfrm>
-            <a:off x="628650" y="365125"/>
-            <a:ext cx="5800725" cy="5811838"/>
+            <a:off x="838200" y="365125"/>
+            <a:ext cx="7734300" cy="5811838"/>
           </a:xfrm>
         </p:spPr>
         <p:txBody>
@@ -644,7 +644,7 @@
     </p:spTree>
     <p:extLst>
       <p:ext uri="{BB962C8B-B14F-4D97-AF65-F5344CB8AC3E}">
-        <p14:creationId xmlns:p14="http://schemas.microsoft.com/office/powerpoint/2010/main" val="384578495"/>
+        <p14:creationId xmlns:p14="http://schemas.microsoft.com/office/powerpoint/2010/main" val="2908016837"/>
       </p:ext>
     </p:extLst>
   </p:cSld>
@@ -814,7 +814,7 @@
     </p:spTree>
     <p:extLst>
       <p:ext uri="{BB962C8B-B14F-4D97-AF65-F5344CB8AC3E}">
-        <p14:creationId xmlns:p14="http://schemas.microsoft.com/office/powerpoint/2010/main" val="2764298487"/>
+        <p14:creationId xmlns:p14="http://schemas.microsoft.com/office/powerpoint/2010/main" val="4061823479"/>
       </p:ext>
     </p:extLst>
   </p:cSld>
@@ -853,8 +853,8 @@
         </p:nvSpPr>
         <p:spPr>
           <a:xfrm>
-            <a:off x="623888" y="1709739"/>
-            <a:ext cx="7886700" cy="2852737"/>
+            <a:off x="831850" y="1709738"/>
+            <a:ext cx="10515600" cy="2852737"/>
           </a:xfrm>
         </p:spPr>
         <p:txBody>
@@ -885,8 +885,8 @@
         </p:nvSpPr>
         <p:spPr>
           <a:xfrm>
-            <a:off x="623888" y="4589464"/>
-            <a:ext cx="7886700" cy="1500187"/>
+            <a:off x="831850" y="4589463"/>
+            <a:ext cx="10515600" cy="1500187"/>
           </a:xfrm>
         </p:spPr>
         <p:txBody>
@@ -896,7 +896,9 @@
               <a:buNone/>
               <a:defRPr sz="2400">
                 <a:solidFill>
-                  <a:schemeClr val="tx1"/>
+                  <a:schemeClr val="tx1">
+                    <a:tint val="75000"/>
+                  </a:schemeClr>
                 </a:solidFill>
               </a:defRPr>
             </a:lvl1pPr>
@@ -1058,7 +1060,7 @@
     </p:spTree>
     <p:extLst>
       <p:ext uri="{BB962C8B-B14F-4D97-AF65-F5344CB8AC3E}">
-        <p14:creationId xmlns:p14="http://schemas.microsoft.com/office/powerpoint/2010/main" val="2568052782"/>
+        <p14:creationId xmlns:p14="http://schemas.microsoft.com/office/powerpoint/2010/main" val="2001560912"/>
       </p:ext>
     </p:extLst>
   </p:cSld>
@@ -1120,8 +1122,8 @@
         </p:nvSpPr>
         <p:spPr>
           <a:xfrm>
-            <a:off x="628650" y="1825625"/>
-            <a:ext cx="3886200" cy="4351338"/>
+            <a:off x="838200" y="1825625"/>
+            <a:ext cx="5181600" cy="4351338"/>
           </a:xfrm>
         </p:spPr>
         <p:txBody>
@@ -1177,8 +1179,8 @@
         </p:nvSpPr>
         <p:spPr>
           <a:xfrm>
-            <a:off x="4629150" y="1825625"/>
-            <a:ext cx="3886200" cy="4351338"/>
+            <a:off x="6172200" y="1825625"/>
+            <a:ext cx="5181600" cy="4351338"/>
           </a:xfrm>
         </p:spPr>
         <p:txBody>
@@ -1290,7 +1292,7 @@
     </p:spTree>
     <p:extLst>
       <p:ext uri="{BB962C8B-B14F-4D97-AF65-F5344CB8AC3E}">
-        <p14:creationId xmlns:p14="http://schemas.microsoft.com/office/powerpoint/2010/main" val="2187434966"/>
+        <p14:creationId xmlns:p14="http://schemas.microsoft.com/office/powerpoint/2010/main" val="26450609"/>
       </p:ext>
     </p:extLst>
   </p:cSld>
@@ -1329,8 +1331,8 @@
         </p:nvSpPr>
         <p:spPr>
           <a:xfrm>
-            <a:off x="629841" y="365126"/>
-            <a:ext cx="7886700" cy="1325563"/>
+            <a:off x="839788" y="365125"/>
+            <a:ext cx="10515600" cy="1325563"/>
           </a:xfrm>
         </p:spPr>
         <p:txBody>
@@ -1357,8 +1359,8 @@
         </p:nvSpPr>
         <p:spPr>
           <a:xfrm>
-            <a:off x="629842" y="1681163"/>
-            <a:ext cx="3868340" cy="823912"/>
+            <a:off x="839788" y="1681163"/>
+            <a:ext cx="5157787" cy="823912"/>
           </a:xfrm>
         </p:spPr>
         <p:txBody>
@@ -1422,8 +1424,8 @@
         </p:nvSpPr>
         <p:spPr>
           <a:xfrm>
-            <a:off x="629842" y="2505075"/>
-            <a:ext cx="3868340" cy="3684588"/>
+            <a:off x="839788" y="2505075"/>
+            <a:ext cx="5157787" cy="3684588"/>
           </a:xfrm>
         </p:spPr>
         <p:txBody>
@@ -1479,8 +1481,8 @@
         </p:nvSpPr>
         <p:spPr>
           <a:xfrm>
-            <a:off x="4629150" y="1681163"/>
-            <a:ext cx="3887391" cy="823912"/>
+            <a:off x="6172200" y="1681163"/>
+            <a:ext cx="5183188" cy="823912"/>
           </a:xfrm>
         </p:spPr>
         <p:txBody>
@@ -1544,8 +1546,8 @@
         </p:nvSpPr>
         <p:spPr>
           <a:xfrm>
-            <a:off x="4629150" y="2505075"/>
-            <a:ext cx="3887391" cy="3684588"/>
+            <a:off x="6172200" y="2505075"/>
+            <a:ext cx="5183188" cy="3684588"/>
           </a:xfrm>
         </p:spPr>
         <p:txBody>
@@ -1657,7 +1659,7 @@
     </p:spTree>
     <p:extLst>
       <p:ext uri="{BB962C8B-B14F-4D97-AF65-F5344CB8AC3E}">
-        <p14:creationId xmlns:p14="http://schemas.microsoft.com/office/powerpoint/2010/main" val="4147219384"/>
+        <p14:creationId xmlns:p14="http://schemas.microsoft.com/office/powerpoint/2010/main" val="1027433624"/>
       </p:ext>
     </p:extLst>
   </p:cSld>
@@ -1775,7 +1777,7 @@
     </p:spTree>
     <p:extLst>
       <p:ext uri="{BB962C8B-B14F-4D97-AF65-F5344CB8AC3E}">
-        <p14:creationId xmlns:p14="http://schemas.microsoft.com/office/powerpoint/2010/main" val="1994313839"/>
+        <p14:creationId xmlns:p14="http://schemas.microsoft.com/office/powerpoint/2010/main" val="2331828555"/>
       </p:ext>
     </p:extLst>
   </p:cSld>
@@ -1870,7 +1872,7 @@
     </p:spTree>
     <p:extLst>
       <p:ext uri="{BB962C8B-B14F-4D97-AF65-F5344CB8AC3E}">
-        <p14:creationId xmlns:p14="http://schemas.microsoft.com/office/powerpoint/2010/main" val="1708638234"/>
+        <p14:creationId xmlns:p14="http://schemas.microsoft.com/office/powerpoint/2010/main" val="741256095"/>
       </p:ext>
     </p:extLst>
   </p:cSld>
@@ -1909,8 +1911,8 @@
         </p:nvSpPr>
         <p:spPr>
           <a:xfrm>
-            <a:off x="629841" y="457200"/>
-            <a:ext cx="2949178" cy="1600200"/>
+            <a:off x="839788" y="457200"/>
+            <a:ext cx="3932237" cy="1600200"/>
           </a:xfrm>
         </p:spPr>
         <p:txBody>
@@ -1941,8 +1943,8 @@
         </p:nvSpPr>
         <p:spPr>
           <a:xfrm>
-            <a:off x="3887391" y="987426"/>
-            <a:ext cx="4629150" cy="4873625"/>
+            <a:off x="5183188" y="987425"/>
+            <a:ext cx="6172200" cy="4873625"/>
           </a:xfrm>
         </p:spPr>
         <p:txBody>
@@ -2026,8 +2028,8 @@
         </p:nvSpPr>
         <p:spPr>
           <a:xfrm>
-            <a:off x="629841" y="2057400"/>
-            <a:ext cx="2949178" cy="3811588"/>
+            <a:off x="839788" y="2057400"/>
+            <a:ext cx="3932237" cy="3811588"/>
           </a:xfrm>
         </p:spPr>
         <p:txBody>
@@ -2147,7 +2149,7 @@
     </p:spTree>
     <p:extLst>
       <p:ext uri="{BB962C8B-B14F-4D97-AF65-F5344CB8AC3E}">
-        <p14:creationId xmlns:p14="http://schemas.microsoft.com/office/powerpoint/2010/main" val="3745762459"/>
+        <p14:creationId xmlns:p14="http://schemas.microsoft.com/office/powerpoint/2010/main" val="4072074036"/>
       </p:ext>
     </p:extLst>
   </p:cSld>
@@ -2186,8 +2188,8 @@
         </p:nvSpPr>
         <p:spPr>
           <a:xfrm>
-            <a:off x="629841" y="457200"/>
-            <a:ext cx="2949178" cy="1600200"/>
+            <a:off x="839788" y="457200"/>
+            <a:ext cx="3932237" cy="1600200"/>
           </a:xfrm>
         </p:spPr>
         <p:txBody>
@@ -2218,8 +2220,8 @@
         </p:nvSpPr>
         <p:spPr>
           <a:xfrm>
-            <a:off x="3887391" y="987426"/>
-            <a:ext cx="4629150" cy="4873625"/>
+            <a:off x="5183188" y="987425"/>
+            <a:ext cx="6172200" cy="4873625"/>
           </a:xfrm>
         </p:spPr>
         <p:txBody>
@@ -2283,8 +2285,8 @@
         </p:nvSpPr>
         <p:spPr>
           <a:xfrm>
-            <a:off x="629841" y="2057400"/>
-            <a:ext cx="2949178" cy="3811588"/>
+            <a:off x="839788" y="2057400"/>
+            <a:ext cx="3932237" cy="3811588"/>
           </a:xfrm>
         </p:spPr>
         <p:txBody>
@@ -2404,7 +2406,7 @@
     </p:spTree>
     <p:extLst>
       <p:ext uri="{BB962C8B-B14F-4D97-AF65-F5344CB8AC3E}">
-        <p14:creationId xmlns:p14="http://schemas.microsoft.com/office/powerpoint/2010/main" val="1941642462"/>
+        <p14:creationId xmlns:p14="http://schemas.microsoft.com/office/powerpoint/2010/main" val="2019218526"/>
       </p:ext>
     </p:extLst>
   </p:cSld>
@@ -2448,8 +2450,8 @@
         </p:nvSpPr>
         <p:spPr>
           <a:xfrm>
-            <a:off x="628650" y="365126"/>
-            <a:ext cx="7886700" cy="1325563"/>
+            <a:off x="838200" y="365125"/>
+            <a:ext cx="10515600" cy="1325563"/>
           </a:xfrm>
           <a:prstGeom prst="rect">
             <a:avLst/>
@@ -2481,8 +2483,8 @@
         </p:nvSpPr>
         <p:spPr>
           <a:xfrm>
-            <a:off x="628650" y="1825625"/>
-            <a:ext cx="7886700" cy="4351338"/>
+            <a:off x="838200" y="1825625"/>
+            <a:ext cx="10515600" cy="4351338"/>
           </a:xfrm>
           <a:prstGeom prst="rect">
             <a:avLst/>
@@ -2543,8 +2545,8 @@
         </p:nvSpPr>
         <p:spPr>
           <a:xfrm>
-            <a:off x="628650" y="6356351"/>
-            <a:ext cx="2057400" cy="365125"/>
+            <a:off x="838200" y="6356350"/>
+            <a:ext cx="2743200" cy="365125"/>
           </a:xfrm>
           <a:prstGeom prst="rect">
             <a:avLst/>
@@ -2584,8 +2586,8 @@
         </p:nvSpPr>
         <p:spPr>
           <a:xfrm>
-            <a:off x="3028950" y="6356351"/>
-            <a:ext cx="3086100" cy="365125"/>
+            <a:off x="4038600" y="6356350"/>
+            <a:ext cx="4114800" cy="365125"/>
           </a:xfrm>
           <a:prstGeom prst="rect">
             <a:avLst/>
@@ -2621,8 +2623,8 @@
         </p:nvSpPr>
         <p:spPr>
           <a:xfrm>
-            <a:off x="6457950" y="6356351"/>
-            <a:ext cx="2057400" cy="365125"/>
+            <a:off x="8610600" y="6356350"/>
+            <a:ext cx="2743200" cy="365125"/>
           </a:xfrm>
           <a:prstGeom prst="rect">
             <a:avLst/>
@@ -2653,23 +2655,23 @@
     </p:spTree>
     <p:extLst>
       <p:ext uri="{BB962C8B-B14F-4D97-AF65-F5344CB8AC3E}">
-        <p14:creationId xmlns:p14="http://schemas.microsoft.com/office/powerpoint/2010/main" val="3207063612"/>
+        <p14:creationId xmlns:p14="http://schemas.microsoft.com/office/powerpoint/2010/main" val="1234377026"/>
       </p:ext>
     </p:extLst>
   </p:cSld>
   <p:clrMap bg1="lt1" tx1="dk1" bg2="lt2" tx2="dk2" accent1="accent1" accent2="accent2" accent3="accent3" accent4="accent4" accent5="accent5" accent6="accent6" hlink="hlink" folHlink="folHlink"/>
   <p:sldLayoutIdLst>
-    <p:sldLayoutId id="2147483661" r:id="rId1"/>
-    <p:sldLayoutId id="2147483662" r:id="rId2"/>
-    <p:sldLayoutId id="2147483663" r:id="rId3"/>
-    <p:sldLayoutId id="2147483664" r:id="rId4"/>
-    <p:sldLayoutId id="2147483665" r:id="rId5"/>
-    <p:sldLayoutId id="2147483666" r:id="rId6"/>
-    <p:sldLayoutId id="2147483667" r:id="rId7"/>
-    <p:sldLayoutId id="2147483668" r:id="rId8"/>
-    <p:sldLayoutId id="2147483669" r:id="rId9"/>
-    <p:sldLayoutId id="2147483670" r:id="rId10"/>
-    <p:sldLayoutId id="2147483671" r:id="rId11"/>
+    <p:sldLayoutId id="2147483673" r:id="rId1"/>
+    <p:sldLayoutId id="2147483674" r:id="rId2"/>
+    <p:sldLayoutId id="2147483675" r:id="rId3"/>
+    <p:sldLayoutId id="2147483676" r:id="rId4"/>
+    <p:sldLayoutId id="2147483677" r:id="rId5"/>
+    <p:sldLayoutId id="2147483678" r:id="rId6"/>
+    <p:sldLayoutId id="2147483679" r:id="rId7"/>
+    <p:sldLayoutId id="2147483680" r:id="rId8"/>
+    <p:sldLayoutId id="2147483681" r:id="rId9"/>
+    <p:sldLayoutId id="2147483682" r:id="rId10"/>
+    <p:sldLayoutId id="2147483683" r:id="rId11"/>
   </p:sldLayoutIdLst>
   <p:txStyles>
     <p:titleStyle>
@@ -2997,7 +2999,7 @@
         </p:nvSpPr>
         <p:spPr>
           <a:xfrm>
-            <a:off x="317365" y="107005"/>
+            <a:off x="236301" y="-35848"/>
             <a:ext cx="8509270" cy="793203"/>
           </a:xfrm>
         </p:spPr>
@@ -3078,7 +3080,7 @@
         </p:nvSpPr>
         <p:spPr>
           <a:xfrm>
-            <a:off x="3084786" y="930934"/>
+            <a:off x="9030007" y="165083"/>
             <a:ext cx="2974428" cy="391340"/>
           </a:xfrm>
         </p:spPr>
@@ -3115,8 +3117,8 @@
         </p:nvSpPr>
         <p:spPr>
           <a:xfrm>
-            <a:off x="150779" y="1322274"/>
-            <a:ext cx="8122596" cy="2308324"/>
+            <a:off x="236301" y="688783"/>
+            <a:ext cx="11399196" cy="3293209"/>
           </a:xfrm>
           <a:prstGeom prst="rect">
             <a:avLst/>
@@ -3134,12 +3136,12 @@
               <a:buChar char="•"/>
             </a:pPr>
             <a:r>
-              <a:rPr lang="es-419" dirty="0">
+              <a:rPr lang="es-419" sz="2600" dirty="0">
                 <a:solidFill>
                   <a:schemeClr val="bg1"/>
                 </a:solidFill>
               </a:rPr>
-              <a:t>+ 60 temas / conceptos importantes de Python / 15 horas</a:t>
+              <a:t>+ 60 temas /  15 horas</a:t>
             </a:r>
           </a:p>
           <a:p>
@@ -3148,7 +3150,7 @@
               <a:buChar char="•"/>
             </a:pPr>
             <a:r>
-              <a:rPr lang="es-419" dirty="0">
+              <a:rPr lang="es-419" sz="2600" dirty="0">
                 <a:solidFill>
                   <a:schemeClr val="bg1"/>
                 </a:solidFill>
@@ -3162,7 +3164,7 @@
               <a:buChar char="•"/>
             </a:pPr>
             <a:r>
-              <a:rPr lang="es-419" dirty="0">
+              <a:rPr lang="es-419" sz="2600" dirty="0">
                 <a:solidFill>
                   <a:schemeClr val="bg1"/>
                 </a:solidFill>
@@ -3176,7 +3178,7 @@
               <a:buChar char="•"/>
             </a:pPr>
             <a:r>
-              <a:rPr lang="es-419" dirty="0">
+              <a:rPr lang="es-419" sz="2600" dirty="0">
                 <a:solidFill>
                   <a:schemeClr val="bg1"/>
                 </a:solidFill>
@@ -3190,7 +3192,7 @@
               <a:buChar char="•"/>
             </a:pPr>
             <a:r>
-              <a:rPr lang="es-419" dirty="0">
+              <a:rPr lang="es-419" sz="2600" dirty="0">
                 <a:solidFill>
                   <a:schemeClr val="bg1"/>
                 </a:solidFill>
@@ -3198,7 +3200,7 @@
               <a:t>No se cubre temas de instalación (VSCode, Python, </a:t>
             </a:r>
             <a:r>
-              <a:rPr lang="es-419" dirty="0" err="1">
+              <a:rPr lang="es-419" sz="2600" dirty="0" err="1">
                 <a:solidFill>
                   <a:schemeClr val="bg1"/>
                 </a:solidFill>
@@ -3206,7 +3208,7 @@
               <a:t>etc</a:t>
             </a:r>
             <a:r>
-              <a:rPr lang="es-419" dirty="0">
+              <a:rPr lang="es-419" sz="2600" dirty="0">
                 <a:solidFill>
                   <a:schemeClr val="bg1"/>
                 </a:solidFill>
@@ -3220,7 +3222,7 @@
               <a:buChar char="•"/>
             </a:pPr>
             <a:r>
-              <a:rPr lang="es-419" dirty="0">
+              <a:rPr lang="es-419" sz="2600" dirty="0">
                 <a:solidFill>
                   <a:schemeClr val="bg1"/>
                 </a:solidFill>
@@ -3228,7 +3230,7 @@
               <a:t>Se utilizará un IDE Online </a:t>
             </a:r>
             <a:r>
-              <a:rPr lang="es-419" dirty="0">
+              <a:rPr lang="es-419" sz="2600" dirty="0">
                 <a:solidFill>
                   <a:schemeClr val="bg1"/>
                 </a:solidFill>
@@ -3237,7 +3239,7 @@
               <a:t> </a:t>
             </a:r>
             <a:r>
-              <a:rPr lang="es-419" b="1" dirty="0">
+              <a:rPr lang="es-419" sz="2600" b="1" dirty="0">
                 <a:solidFill>
                   <a:srgbClr val="FFFF00"/>
                 </a:solidFill>
@@ -3252,7 +3254,7 @@
               <a:buChar char="•"/>
             </a:pPr>
             <a:r>
-              <a:rPr lang="es-419" dirty="0">
+              <a:rPr lang="es-419" sz="2600" dirty="0">
                 <a:solidFill>
                   <a:srgbClr val="00B0F0"/>
                 </a:solidFill>
@@ -3266,7 +3268,7 @@
               </a:rPr>
               <a:t>https://replit.com/</a:t>
             </a:r>
-            <a:endParaRPr lang="es-419" dirty="0">
+            <a:endParaRPr lang="es-419" sz="2600" dirty="0">
               <a:solidFill>
                 <a:srgbClr val="00B0F0"/>
               </a:solidFill>
@@ -3278,7 +3280,7 @@
               <a:buChar char="•"/>
             </a:pPr>
             <a:r>
-              <a:rPr lang="es-419" dirty="0">
+              <a:rPr lang="es-419" sz="2600" dirty="0">
                 <a:solidFill>
                   <a:schemeClr val="bg1"/>
                 </a:solidFill>
@@ -3302,8 +3304,8 @@
         </p:nvSpPr>
         <p:spPr>
           <a:xfrm>
-            <a:off x="150779" y="3722735"/>
-            <a:ext cx="8122596" cy="2031325"/>
+            <a:off x="1789888" y="3941496"/>
+            <a:ext cx="9192639" cy="1938992"/>
           </a:xfrm>
           <a:prstGeom prst="rect">
             <a:avLst/>
@@ -3317,7 +3319,7 @@
           <a:lstStyle/>
           <a:p>
             <a:r>
-              <a:rPr lang="es-419" b="1" dirty="0">
+              <a:rPr lang="es-419" sz="2400" b="1" dirty="0">
                 <a:solidFill>
                   <a:schemeClr val="accent6">
                     <a:lumMod val="60000"/>
@@ -3334,7 +3336,7 @@
               <a:buChar char="•"/>
             </a:pPr>
             <a:r>
-              <a:rPr lang="es-419" dirty="0">
+              <a:rPr lang="es-419" sz="2400" dirty="0">
                 <a:solidFill>
                   <a:schemeClr val="bg1"/>
                 </a:solidFill>
@@ -3342,7 +3344,7 @@
               <a:t>Tus propios programas </a:t>
             </a:r>
             <a:r>
-              <a:rPr lang="es-419" dirty="0">
+              <a:rPr lang="es-419" sz="2400" dirty="0">
                 <a:solidFill>
                   <a:schemeClr val="bg1"/>
                 </a:solidFill>
@@ -3357,31 +3359,7 @@
               <a:buChar char="•"/>
             </a:pPr>
             <a:r>
-              <a:rPr lang="es-419" dirty="0" err="1">
-                <a:solidFill>
-                  <a:schemeClr val="bg1"/>
-                </a:solidFill>
-                <a:sym typeface="Wingdings" panose="05000000000000000000" pitchFamily="2" charset="2"/>
-              </a:rPr>
-              <a:t>Ej</a:t>
-            </a:r>
-            <a:r>
-              <a:rPr lang="es-419" dirty="0">
-                <a:solidFill>
-                  <a:schemeClr val="bg1"/>
-                </a:solidFill>
-                <a:sym typeface="Wingdings" panose="05000000000000000000" pitchFamily="2" charset="2"/>
-              </a:rPr>
-              <a:t>: tarea del colegio, algún algoritmo para mejorar tu trabajo, sorprender a tu jefe, no hay Excel en el computador?, entonces Python!</a:t>
-            </a:r>
-          </a:p>
-          <a:p>
-            <a:pPr marL="285750" indent="-285750">
-              <a:buFont typeface="Arial" panose="020B0604020202020204" pitchFamily="34" charset="0"/>
-              <a:buChar char="•"/>
-            </a:pPr>
-            <a:r>
-              <a:rPr lang="es-419" dirty="0">
+              <a:rPr lang="es-419" sz="2400" dirty="0">
                 <a:solidFill>
                   <a:schemeClr val="bg1"/>
                 </a:solidFill>
@@ -3396,7 +3374,7 @@
               <a:buChar char="•"/>
             </a:pPr>
             <a:r>
-              <a:rPr lang="es-419" dirty="0">
+              <a:rPr lang="es-419" sz="2400" dirty="0">
                 <a:solidFill>
                   <a:schemeClr val="bg1"/>
                 </a:solidFill>
@@ -3411,7 +3389,7 @@
               <a:buChar char="•"/>
             </a:pPr>
             <a:r>
-              <a:rPr lang="es-ES" dirty="0">
+              <a:rPr lang="es-ES" sz="2400" dirty="0">
                 <a:solidFill>
                   <a:schemeClr val="bg1"/>
                 </a:solidFill>
@@ -3419,7 +3397,7 @@
               </a:rPr>
               <a:t>¡¡Aprender programación es una tarea para toda la vida!!</a:t>
             </a:r>
-            <a:endParaRPr lang="es-419" dirty="0">
+            <a:endParaRPr lang="es-419" sz="2400" dirty="0">
               <a:solidFill>
                 <a:schemeClr val="bg1"/>
               </a:solidFill>
@@ -3450,8 +3428,8 @@
         </p:blipFill>
         <p:spPr>
           <a:xfrm>
-            <a:off x="6314765" y="2085880"/>
-            <a:ext cx="2511870" cy="2047443"/>
+            <a:off x="8508669" y="669123"/>
+            <a:ext cx="3495766" cy="2849423"/>
           </a:xfrm>
           <a:prstGeom prst="rect">
             <a:avLst/>
@@ -3487,8 +3465,8 @@
         </p:blipFill>
         <p:spPr bwMode="auto">
           <a:xfrm>
-            <a:off x="7160008" y="845131"/>
-            <a:ext cx="1025818" cy="1025818"/>
+            <a:off x="5655238" y="696413"/>
+            <a:ext cx="1461940" cy="1461940"/>
           </a:xfrm>
           <a:prstGeom prst="rect">
             <a:avLst/>
@@ -3519,8 +3497,8 @@
         </p:nvSpPr>
         <p:spPr>
           <a:xfrm>
-            <a:off x="150779" y="5839992"/>
-            <a:ext cx="8842442" cy="846386"/>
+            <a:off x="330740" y="5934108"/>
+            <a:ext cx="11673695" cy="846386"/>
           </a:xfrm>
           <a:prstGeom prst="rect">
             <a:avLst/>
